--- a/Daily Agendas/Day17.2_CoderDeCoder.pptx
+++ b/Daily Agendas/Day17.2_CoderDeCoder.pptx
@@ -6,8 +6,9 @@
   </p:sldMasterIdLst>
   <p:sldIdLst>
     <p:sldId id="257" r:id="rId2"/>
-    <p:sldId id="259" r:id="rId3"/>
-    <p:sldId id="260" r:id="rId4"/>
+    <p:sldId id="261" r:id="rId3"/>
+    <p:sldId id="259" r:id="rId4"/>
+    <p:sldId id="260" r:id="rId5"/>
   </p:sldIdLst>
   <p:sldSz cx="9144000" cy="6858000" type="screen4x3"/>
   <p:notesSz cx="7023100" cy="9309100"/>
@@ -305,7 +306,7 @@
             <a:fld id="{1D8BD707-D9CF-40AE-B4C6-C98DA3205C09}" type="datetimeFigureOut">
               <a:rPr lang="en-US" smtClean="0"/>
               <a:pPr/>
-              <a:t>1/7/2019</a:t>
+              <a:t>1/8/2019</a:t>
             </a:fld>
             <a:endParaRPr lang="en-US"/>
           </a:p>
@@ -470,7 +471,7 @@
             <a:fld id="{1D8BD707-D9CF-40AE-B4C6-C98DA3205C09}" type="datetimeFigureOut">
               <a:rPr lang="en-US" smtClean="0"/>
               <a:pPr/>
-              <a:t>1/7/2019</a:t>
+              <a:t>1/8/2019</a:t>
             </a:fld>
             <a:endParaRPr lang="en-US"/>
           </a:p>
@@ -645,7 +646,7 @@
             <a:fld id="{1D8BD707-D9CF-40AE-B4C6-C98DA3205C09}" type="datetimeFigureOut">
               <a:rPr lang="en-US" smtClean="0"/>
               <a:pPr/>
-              <a:t>1/7/2019</a:t>
+              <a:t>1/8/2019</a:t>
             </a:fld>
             <a:endParaRPr lang="en-US"/>
           </a:p>
@@ -810,7 +811,7 @@
             <a:fld id="{1D8BD707-D9CF-40AE-B4C6-C98DA3205C09}" type="datetimeFigureOut">
               <a:rPr lang="en-US" smtClean="0"/>
               <a:pPr/>
-              <a:t>1/7/2019</a:t>
+              <a:t>1/8/2019</a:t>
             </a:fld>
             <a:endParaRPr lang="en-US"/>
           </a:p>
@@ -1052,7 +1053,7 @@
             <a:fld id="{1D8BD707-D9CF-40AE-B4C6-C98DA3205C09}" type="datetimeFigureOut">
               <a:rPr lang="en-US" smtClean="0"/>
               <a:pPr/>
-              <a:t>1/7/2019</a:t>
+              <a:t>1/8/2019</a:t>
             </a:fld>
             <a:endParaRPr lang="en-US"/>
           </a:p>
@@ -1334,7 +1335,7 @@
             <a:fld id="{1D8BD707-D9CF-40AE-B4C6-C98DA3205C09}" type="datetimeFigureOut">
               <a:rPr lang="en-US" smtClean="0"/>
               <a:pPr/>
-              <a:t>1/7/2019</a:t>
+              <a:t>1/8/2019</a:t>
             </a:fld>
             <a:endParaRPr lang="en-US"/>
           </a:p>
@@ -1750,7 +1751,7 @@
             <a:fld id="{1D8BD707-D9CF-40AE-B4C6-C98DA3205C09}" type="datetimeFigureOut">
               <a:rPr lang="en-US" smtClean="0"/>
               <a:pPr/>
-              <a:t>1/7/2019</a:t>
+              <a:t>1/8/2019</a:t>
             </a:fld>
             <a:endParaRPr lang="en-US"/>
           </a:p>
@@ -1864,7 +1865,7 @@
             <a:fld id="{1D8BD707-D9CF-40AE-B4C6-C98DA3205C09}" type="datetimeFigureOut">
               <a:rPr lang="en-US" smtClean="0"/>
               <a:pPr/>
-              <a:t>1/7/2019</a:t>
+              <a:t>1/8/2019</a:t>
             </a:fld>
             <a:endParaRPr lang="en-US"/>
           </a:p>
@@ -1956,7 +1957,7 @@
             <a:fld id="{1D8BD707-D9CF-40AE-B4C6-C98DA3205C09}" type="datetimeFigureOut">
               <a:rPr lang="en-US" smtClean="0"/>
               <a:pPr/>
-              <a:t>1/7/2019</a:t>
+              <a:t>1/8/2019</a:t>
             </a:fld>
             <a:endParaRPr lang="en-US"/>
           </a:p>
@@ -2228,7 +2229,7 @@
             <a:fld id="{1D8BD707-D9CF-40AE-B4C6-C98DA3205C09}" type="datetimeFigureOut">
               <a:rPr lang="en-US" smtClean="0"/>
               <a:pPr/>
-              <a:t>1/7/2019</a:t>
+              <a:t>1/8/2019</a:t>
             </a:fld>
             <a:endParaRPr lang="en-US"/>
           </a:p>
@@ -2477,7 +2478,7 @@
             <a:fld id="{1D8BD707-D9CF-40AE-B4C6-C98DA3205C09}" type="datetimeFigureOut">
               <a:rPr lang="en-US" smtClean="0"/>
               <a:pPr/>
-              <a:t>1/7/2019</a:t>
+              <a:t>1/8/2019</a:t>
             </a:fld>
             <a:endParaRPr lang="en-US"/>
           </a:p>
@@ -2685,7 +2686,7 @@
             <a:fld id="{1D8BD707-D9CF-40AE-B4C6-C98DA3205C09}" type="datetimeFigureOut">
               <a:rPr lang="en-US" smtClean="0"/>
               <a:pPr/>
-              <a:t>1/7/2019</a:t>
+              <a:t>1/8/2019</a:t>
             </a:fld>
             <a:endParaRPr lang="en-US"/>
           </a:p>
@@ -3190,6 +3191,1398 @@
           <a:chExt cx="0" cy="0"/>
         </a:xfrm>
       </p:grpSpPr>
+      <p:graphicFrame>
+        <p:nvGraphicFramePr>
+          <p:cNvPr id="4" name="Table 3"/>
+          <p:cNvGraphicFramePr>
+            <a:graphicFrameLocks noGrp="1"/>
+          </p:cNvGraphicFramePr>
+          <p:nvPr>
+            <p:extLst>
+              <p:ext uri="{D42A27DB-BD31-4B8C-83A1-F6EECF244321}">
+                <p14:modId xmlns:p14="http://schemas.microsoft.com/office/powerpoint/2010/main" val="1573666866"/>
+              </p:ext>
+            </p:extLst>
+          </p:nvPr>
+        </p:nvGraphicFramePr>
+        <p:xfrm>
+          <a:off x="2362200" y="1676400"/>
+          <a:ext cx="4343400" cy="4805037"/>
+        </p:xfrm>
+        <a:graphic>
+          <a:graphicData uri="http://schemas.openxmlformats.org/drawingml/2006/table">
+            <a:tbl>
+              <a:tblPr firstRow="1" firstCol="1" bandRow="1">
+                <a:tableStyleId>{5940675A-B579-460E-94D1-54222C63F5DA}</a:tableStyleId>
+              </a:tblPr>
+              <a:tblGrid>
+                <a:gridCol w="1457595"/>
+                <a:gridCol w="2885805"/>
+              </a:tblGrid>
+              <a:tr h="247137">
+                <a:tc>
+                  <a:txBody>
+                    <a:bodyPr/>
+                    <a:lstStyle/>
+                    <a:p>
+                      <a:pPr marL="0" marR="0">
+                        <a:spcBef>
+                          <a:spcPts val="0"/>
+                        </a:spcBef>
+                        <a:spcAft>
+                          <a:spcPts val="0"/>
+                        </a:spcAft>
+                      </a:pPr>
+                      <a:r>
+                        <a:rPr lang="en-US" sz="1400" b="1" dirty="0">
+                          <a:effectLst/>
+                        </a:rPr>
+                        <a:t>Date</a:t>
+                      </a:r>
+                      <a:endParaRPr lang="en-US" sz="1400" b="1" dirty="0">
+                        <a:effectLst/>
+                        <a:latin typeface="Arial" panose="020B0604020202020204" pitchFamily="34" charset="0"/>
+                        <a:ea typeface="Calibri" panose="020F0502020204030204" pitchFamily="34" charset="0"/>
+                      </a:endParaRPr>
+                    </a:p>
+                  </a:txBody>
+                  <a:tcPr marL="65699" marR="65699" marT="0" marB="0"/>
+                </a:tc>
+                <a:tc>
+                  <a:txBody>
+                    <a:bodyPr/>
+                    <a:lstStyle/>
+                    <a:p>
+                      <a:pPr marL="0" marR="0">
+                        <a:spcBef>
+                          <a:spcPts val="0"/>
+                        </a:spcBef>
+                        <a:spcAft>
+                          <a:spcPts val="0"/>
+                        </a:spcAft>
+                      </a:pPr>
+                      <a:r>
+                        <a:rPr lang="en-US" sz="1400" b="1" dirty="0" smtClean="0">
+                          <a:effectLst/>
+                        </a:rPr>
+                        <a:t>ICS20</a:t>
+                      </a:r>
+                      <a:endParaRPr lang="en-US" sz="1400" b="1" dirty="0">
+                        <a:effectLst/>
+                        <a:latin typeface="Arial" panose="020B0604020202020204" pitchFamily="34" charset="0"/>
+                        <a:ea typeface="Calibri" panose="020F0502020204030204" pitchFamily="34" charset="0"/>
+                      </a:endParaRPr>
+                    </a:p>
+                  </a:txBody>
+                  <a:tcPr marL="65699" marR="65699" marT="0" marB="0"/>
+                </a:tc>
+              </a:tr>
+              <a:tr h="302427">
+                <a:tc>
+                  <a:txBody>
+                    <a:bodyPr/>
+                    <a:lstStyle/>
+                    <a:p>
+                      <a:pPr marL="0" marR="0">
+                        <a:spcBef>
+                          <a:spcPts val="0"/>
+                        </a:spcBef>
+                        <a:spcAft>
+                          <a:spcPts val="0"/>
+                        </a:spcAft>
+                      </a:pPr>
+                      <a:r>
+                        <a:rPr lang="en-US" sz="1100">
+                          <a:effectLst/>
+                        </a:rPr>
+                        <a:t>Mon</a:t>
+                      </a:r>
+                    </a:p>
+                    <a:p>
+                      <a:pPr marL="0" marR="0">
+                        <a:spcBef>
+                          <a:spcPts val="0"/>
+                        </a:spcBef>
+                        <a:spcAft>
+                          <a:spcPts val="0"/>
+                        </a:spcAft>
+                      </a:pPr>
+                      <a:r>
+                        <a:rPr lang="en-US" sz="1100">
+                          <a:effectLst/>
+                        </a:rPr>
+                        <a:t>Jan 7</a:t>
+                      </a:r>
+                      <a:endParaRPr lang="en-US" sz="1100">
+                        <a:effectLst/>
+                        <a:latin typeface="Arial" panose="020B0604020202020204" pitchFamily="34" charset="0"/>
+                        <a:ea typeface="Calibri" panose="020F0502020204030204" pitchFamily="34" charset="0"/>
+                      </a:endParaRPr>
+                    </a:p>
+                  </a:txBody>
+                  <a:tcPr marL="65699" marR="65699" marT="0" marB="0"/>
+                </a:tc>
+                <a:tc>
+                  <a:txBody>
+                    <a:bodyPr/>
+                    <a:lstStyle/>
+                    <a:p>
+                      <a:pPr marL="0" marR="0">
+                        <a:spcBef>
+                          <a:spcPts val="0"/>
+                        </a:spcBef>
+                        <a:spcAft>
+                          <a:spcPts val="0"/>
+                        </a:spcAft>
+                      </a:pPr>
+                      <a:r>
+                        <a:rPr lang="en-US" sz="1100" dirty="0">
+                          <a:effectLst/>
+                        </a:rPr>
+                        <a:t>Heroes Trade Show</a:t>
+                      </a:r>
+                      <a:endParaRPr lang="en-US" sz="1100" dirty="0">
+                        <a:effectLst/>
+                        <a:latin typeface="Arial" panose="020B0604020202020204" pitchFamily="34" charset="0"/>
+                        <a:ea typeface="Calibri" panose="020F0502020204030204" pitchFamily="34" charset="0"/>
+                      </a:endParaRPr>
+                    </a:p>
+                  </a:txBody>
+                  <a:tcPr marL="65699" marR="65699" marT="0" marB="0"/>
+                </a:tc>
+              </a:tr>
+              <a:tr h="302427">
+                <a:tc>
+                  <a:txBody>
+                    <a:bodyPr/>
+                    <a:lstStyle/>
+                    <a:p>
+                      <a:pPr marL="0" marR="0">
+                        <a:spcBef>
+                          <a:spcPts val="0"/>
+                        </a:spcBef>
+                        <a:spcAft>
+                          <a:spcPts val="0"/>
+                        </a:spcAft>
+                      </a:pPr>
+                      <a:r>
+                        <a:rPr lang="en-US" sz="1100">
+                          <a:effectLst/>
+                        </a:rPr>
+                        <a:t>Tue</a:t>
+                      </a:r>
+                    </a:p>
+                    <a:p>
+                      <a:pPr marL="0" marR="0">
+                        <a:spcBef>
+                          <a:spcPts val="0"/>
+                        </a:spcBef>
+                        <a:spcAft>
+                          <a:spcPts val="0"/>
+                        </a:spcAft>
+                      </a:pPr>
+                      <a:r>
+                        <a:rPr lang="en-US" sz="1100">
+                          <a:effectLst/>
+                        </a:rPr>
+                        <a:t>Jan 8</a:t>
+                      </a:r>
+                      <a:endParaRPr lang="en-US" sz="1100">
+                        <a:effectLst/>
+                        <a:latin typeface="Arial" panose="020B0604020202020204" pitchFamily="34" charset="0"/>
+                        <a:ea typeface="Calibri" panose="020F0502020204030204" pitchFamily="34" charset="0"/>
+                      </a:endParaRPr>
+                    </a:p>
+                  </a:txBody>
+                  <a:tcPr marL="65699" marR="65699" marT="0" marB="0"/>
+                </a:tc>
+                <a:tc>
+                  <a:txBody>
+                    <a:bodyPr/>
+                    <a:lstStyle/>
+                    <a:p>
+                      <a:pPr marL="0" marR="0">
+                        <a:spcBef>
+                          <a:spcPts val="0"/>
+                        </a:spcBef>
+                        <a:spcAft>
+                          <a:spcPts val="0"/>
+                        </a:spcAft>
+                      </a:pPr>
+                      <a:r>
+                        <a:rPr lang="en-US" sz="1100" dirty="0" smtClean="0">
+                          <a:effectLst/>
+                        </a:rPr>
+                        <a:t>Mod B.7 Python </a:t>
+                      </a:r>
+                      <a:r>
+                        <a:rPr lang="en-US" sz="1100" dirty="0">
+                          <a:effectLst/>
+                        </a:rPr>
+                        <a:t>Coder / De-Coder</a:t>
+                      </a:r>
+                      <a:endParaRPr lang="en-US" sz="1100" dirty="0">
+                        <a:effectLst/>
+                        <a:latin typeface="Arial" panose="020B0604020202020204" pitchFamily="34" charset="0"/>
+                        <a:ea typeface="Calibri" panose="020F0502020204030204" pitchFamily="34" charset="0"/>
+                      </a:endParaRPr>
+                    </a:p>
+                  </a:txBody>
+                  <a:tcPr marL="65699" marR="65699" marT="0" marB="0"/>
+                </a:tc>
+              </a:tr>
+              <a:tr h="302427">
+                <a:tc>
+                  <a:txBody>
+                    <a:bodyPr/>
+                    <a:lstStyle/>
+                    <a:p>
+                      <a:pPr marL="0" marR="0">
+                        <a:spcBef>
+                          <a:spcPts val="0"/>
+                        </a:spcBef>
+                        <a:spcAft>
+                          <a:spcPts val="0"/>
+                        </a:spcAft>
+                      </a:pPr>
+                      <a:r>
+                        <a:rPr lang="en-US" sz="1100">
+                          <a:effectLst/>
+                        </a:rPr>
+                        <a:t>Wed</a:t>
+                      </a:r>
+                    </a:p>
+                    <a:p>
+                      <a:pPr marL="0" marR="0">
+                        <a:spcBef>
+                          <a:spcPts val="0"/>
+                        </a:spcBef>
+                        <a:spcAft>
+                          <a:spcPts val="0"/>
+                        </a:spcAft>
+                      </a:pPr>
+                      <a:r>
+                        <a:rPr lang="en-US" sz="1100">
+                          <a:effectLst/>
+                        </a:rPr>
+                        <a:t>Jan 9</a:t>
+                      </a:r>
+                      <a:endParaRPr lang="en-US" sz="1100">
+                        <a:effectLst/>
+                        <a:latin typeface="Arial" panose="020B0604020202020204" pitchFamily="34" charset="0"/>
+                        <a:ea typeface="Calibri" panose="020F0502020204030204" pitchFamily="34" charset="0"/>
+                      </a:endParaRPr>
+                    </a:p>
+                  </a:txBody>
+                  <a:tcPr marL="65699" marR="65699" marT="0" marB="0"/>
+                </a:tc>
+                <a:tc>
+                  <a:txBody>
+                    <a:bodyPr/>
+                    <a:lstStyle/>
+                    <a:p>
+                      <a:pPr marL="0" marR="0">
+                        <a:spcBef>
+                          <a:spcPts val="0"/>
+                        </a:spcBef>
+                        <a:spcAft>
+                          <a:spcPts val="0"/>
+                        </a:spcAft>
+                      </a:pPr>
+                      <a:r>
+                        <a:rPr lang="en-US" sz="1100" dirty="0" smtClean="0">
+                          <a:effectLst/>
+                        </a:rPr>
+                        <a:t>Mod B.7 </a:t>
+                      </a:r>
+                      <a:r>
+                        <a:rPr lang="en-US" sz="1100" dirty="0" smtClean="0">
+                          <a:effectLst/>
+                        </a:rPr>
+                        <a:t>Python </a:t>
+                      </a:r>
+                      <a:r>
+                        <a:rPr lang="en-US" sz="1100" dirty="0">
+                          <a:effectLst/>
+                        </a:rPr>
+                        <a:t>Coder / De-Coder</a:t>
+                      </a:r>
+                      <a:endParaRPr lang="en-US" sz="1100" dirty="0">
+                        <a:effectLst/>
+                        <a:latin typeface="Arial" panose="020B0604020202020204" pitchFamily="34" charset="0"/>
+                        <a:ea typeface="Calibri" panose="020F0502020204030204" pitchFamily="34" charset="0"/>
+                      </a:endParaRPr>
+                    </a:p>
+                  </a:txBody>
+                  <a:tcPr marL="65699" marR="65699" marT="0" marB="0"/>
+                </a:tc>
+              </a:tr>
+              <a:tr h="302427">
+                <a:tc>
+                  <a:txBody>
+                    <a:bodyPr/>
+                    <a:lstStyle/>
+                    <a:p>
+                      <a:pPr marL="0" marR="0">
+                        <a:spcBef>
+                          <a:spcPts val="0"/>
+                        </a:spcBef>
+                        <a:spcAft>
+                          <a:spcPts val="0"/>
+                        </a:spcAft>
+                      </a:pPr>
+                      <a:r>
+                        <a:rPr lang="en-US" sz="1100">
+                          <a:effectLst/>
+                        </a:rPr>
+                        <a:t>Thu</a:t>
+                      </a:r>
+                    </a:p>
+                    <a:p>
+                      <a:pPr marL="0" marR="0">
+                        <a:spcBef>
+                          <a:spcPts val="0"/>
+                        </a:spcBef>
+                        <a:spcAft>
+                          <a:spcPts val="0"/>
+                        </a:spcAft>
+                      </a:pPr>
+                      <a:r>
+                        <a:rPr lang="en-US" sz="1100">
+                          <a:effectLst/>
+                        </a:rPr>
+                        <a:t>Jan 10</a:t>
+                      </a:r>
+                      <a:endParaRPr lang="en-US" sz="1100">
+                        <a:effectLst/>
+                        <a:latin typeface="Arial" panose="020B0604020202020204" pitchFamily="34" charset="0"/>
+                        <a:ea typeface="Calibri" panose="020F0502020204030204" pitchFamily="34" charset="0"/>
+                      </a:endParaRPr>
+                    </a:p>
+                  </a:txBody>
+                  <a:tcPr marL="65699" marR="65699" marT="0" marB="0"/>
+                </a:tc>
+                <a:tc>
+                  <a:txBody>
+                    <a:bodyPr/>
+                    <a:lstStyle/>
+                    <a:p>
+                      <a:pPr marL="0" marR="0">
+                        <a:spcBef>
+                          <a:spcPts val="0"/>
+                        </a:spcBef>
+                        <a:spcAft>
+                          <a:spcPts val="0"/>
+                        </a:spcAft>
+                      </a:pPr>
+                      <a:r>
+                        <a:rPr lang="en-US" sz="1100" dirty="0" smtClean="0">
+                          <a:effectLst/>
+                        </a:rPr>
+                        <a:t>Mod B.7 </a:t>
+                      </a:r>
+                      <a:r>
+                        <a:rPr lang="en-US" sz="1100" dirty="0" smtClean="0">
+                          <a:effectLst/>
+                        </a:rPr>
+                        <a:t>Python </a:t>
+                      </a:r>
+                      <a:r>
+                        <a:rPr lang="en-US" sz="1100" dirty="0">
+                          <a:effectLst/>
+                        </a:rPr>
+                        <a:t>Coder / De-Coder</a:t>
+                      </a:r>
+                      <a:endParaRPr lang="en-US" sz="1100" dirty="0">
+                        <a:effectLst/>
+                        <a:latin typeface="Arial" panose="020B0604020202020204" pitchFamily="34" charset="0"/>
+                        <a:ea typeface="Calibri" panose="020F0502020204030204" pitchFamily="34" charset="0"/>
+                      </a:endParaRPr>
+                    </a:p>
+                  </a:txBody>
+                  <a:tcPr marL="65699" marR="65699" marT="0" marB="0"/>
+                </a:tc>
+              </a:tr>
+              <a:tr h="302427">
+                <a:tc>
+                  <a:txBody>
+                    <a:bodyPr/>
+                    <a:lstStyle/>
+                    <a:p>
+                      <a:pPr marL="0" marR="0">
+                        <a:spcBef>
+                          <a:spcPts val="0"/>
+                        </a:spcBef>
+                        <a:spcAft>
+                          <a:spcPts val="0"/>
+                        </a:spcAft>
+                      </a:pPr>
+                      <a:r>
+                        <a:rPr lang="en-US" sz="1100">
+                          <a:effectLst/>
+                        </a:rPr>
+                        <a:t>Fri </a:t>
+                      </a:r>
+                    </a:p>
+                    <a:p>
+                      <a:pPr marL="0" marR="0">
+                        <a:spcBef>
+                          <a:spcPts val="0"/>
+                        </a:spcBef>
+                        <a:spcAft>
+                          <a:spcPts val="0"/>
+                        </a:spcAft>
+                      </a:pPr>
+                      <a:r>
+                        <a:rPr lang="en-US" sz="1100">
+                          <a:effectLst/>
+                        </a:rPr>
+                        <a:t>Jan 11</a:t>
+                      </a:r>
+                      <a:endParaRPr lang="en-US" sz="1100">
+                        <a:effectLst/>
+                        <a:latin typeface="Arial" panose="020B0604020202020204" pitchFamily="34" charset="0"/>
+                        <a:ea typeface="Calibri" panose="020F0502020204030204" pitchFamily="34" charset="0"/>
+                      </a:endParaRPr>
+                    </a:p>
+                  </a:txBody>
+                  <a:tcPr marL="65699" marR="65699" marT="0" marB="0"/>
+                </a:tc>
+                <a:tc>
+                  <a:txBody>
+                    <a:bodyPr/>
+                    <a:lstStyle/>
+                    <a:p>
+                      <a:pPr marL="0" marR="0">
+                        <a:spcBef>
+                          <a:spcPts val="0"/>
+                        </a:spcBef>
+                        <a:spcAft>
+                          <a:spcPts val="0"/>
+                        </a:spcAft>
+                      </a:pPr>
+                      <a:r>
+                        <a:rPr lang="en-US" sz="1100" smtClean="0">
+                          <a:effectLst/>
+                        </a:rPr>
+                        <a:t>Mod B.7 </a:t>
+                      </a:r>
+                      <a:r>
+                        <a:rPr lang="en-US" sz="1100" smtClean="0">
+                          <a:effectLst/>
+                        </a:rPr>
+                        <a:t>Python </a:t>
+                      </a:r>
+                      <a:r>
+                        <a:rPr lang="en-US" sz="1100" dirty="0">
+                          <a:effectLst/>
+                        </a:rPr>
+                        <a:t>Coder / De-Coder</a:t>
+                      </a:r>
+                      <a:endParaRPr lang="en-US" sz="1100" dirty="0">
+                        <a:effectLst/>
+                        <a:latin typeface="Arial" panose="020B0604020202020204" pitchFamily="34" charset="0"/>
+                        <a:ea typeface="Calibri" panose="020F0502020204030204" pitchFamily="34" charset="0"/>
+                      </a:endParaRPr>
+                    </a:p>
+                  </a:txBody>
+                  <a:tcPr marL="65699" marR="65699" marT="0" marB="0"/>
+                </a:tc>
+              </a:tr>
+              <a:tr h="54987">
+                <a:tc>
+                  <a:txBody>
+                    <a:bodyPr/>
+                    <a:lstStyle/>
+                    <a:p>
+                      <a:pPr marL="0" marR="0">
+                        <a:spcBef>
+                          <a:spcPts val="0"/>
+                        </a:spcBef>
+                        <a:spcAft>
+                          <a:spcPts val="0"/>
+                        </a:spcAft>
+                      </a:pPr>
+                      <a:r>
+                        <a:rPr lang="en-US" sz="400" dirty="0">
+                          <a:effectLst/>
+                        </a:rPr>
+                        <a:t> </a:t>
+                      </a:r>
+                      <a:endParaRPr lang="en-US" sz="1100" dirty="0">
+                        <a:effectLst/>
+                        <a:latin typeface="Arial" panose="020B0604020202020204" pitchFamily="34" charset="0"/>
+                        <a:ea typeface="Calibri" panose="020F0502020204030204" pitchFamily="34" charset="0"/>
+                      </a:endParaRPr>
+                    </a:p>
+                  </a:txBody>
+                  <a:tcPr marL="65699" marR="65699" marT="0" marB="0"/>
+                </a:tc>
+                <a:tc>
+                  <a:txBody>
+                    <a:bodyPr/>
+                    <a:lstStyle/>
+                    <a:p>
+                      <a:pPr marL="0" marR="0">
+                        <a:spcBef>
+                          <a:spcPts val="0"/>
+                        </a:spcBef>
+                        <a:spcAft>
+                          <a:spcPts val="0"/>
+                        </a:spcAft>
+                      </a:pPr>
+                      <a:r>
+                        <a:rPr lang="en-US" sz="400" dirty="0">
+                          <a:effectLst/>
+                        </a:rPr>
+                        <a:t> </a:t>
+                      </a:r>
+                      <a:endParaRPr lang="en-US" sz="1100" dirty="0">
+                        <a:effectLst/>
+                        <a:latin typeface="Arial" panose="020B0604020202020204" pitchFamily="34" charset="0"/>
+                        <a:ea typeface="Calibri" panose="020F0502020204030204" pitchFamily="34" charset="0"/>
+                      </a:endParaRPr>
+                    </a:p>
+                  </a:txBody>
+                  <a:tcPr marL="65699" marR="65699" marT="0" marB="0"/>
+                </a:tc>
+              </a:tr>
+              <a:tr h="302427">
+                <a:tc>
+                  <a:txBody>
+                    <a:bodyPr/>
+                    <a:lstStyle/>
+                    <a:p>
+                      <a:pPr marL="0" marR="0">
+                        <a:spcBef>
+                          <a:spcPts val="0"/>
+                        </a:spcBef>
+                        <a:spcAft>
+                          <a:spcPts val="0"/>
+                        </a:spcAft>
+                      </a:pPr>
+                      <a:r>
+                        <a:rPr lang="en-US" sz="1100">
+                          <a:effectLst/>
+                        </a:rPr>
+                        <a:t>Mon</a:t>
+                      </a:r>
+                    </a:p>
+                    <a:p>
+                      <a:pPr marL="0" marR="0">
+                        <a:spcBef>
+                          <a:spcPts val="0"/>
+                        </a:spcBef>
+                        <a:spcAft>
+                          <a:spcPts val="0"/>
+                        </a:spcAft>
+                      </a:pPr>
+                      <a:r>
+                        <a:rPr lang="en-US" sz="1100">
+                          <a:effectLst/>
+                        </a:rPr>
+                        <a:t>Jan 14</a:t>
+                      </a:r>
+                      <a:endParaRPr lang="en-US" sz="1100">
+                        <a:effectLst/>
+                        <a:latin typeface="Arial" panose="020B0604020202020204" pitchFamily="34" charset="0"/>
+                        <a:ea typeface="Calibri" panose="020F0502020204030204" pitchFamily="34" charset="0"/>
+                      </a:endParaRPr>
+                    </a:p>
+                  </a:txBody>
+                  <a:tcPr marL="65699" marR="65699" marT="0" marB="0"/>
+                </a:tc>
+                <a:tc>
+                  <a:txBody>
+                    <a:bodyPr/>
+                    <a:lstStyle/>
+                    <a:p>
+                      <a:pPr marL="0" marR="0">
+                        <a:spcBef>
+                          <a:spcPts val="0"/>
+                        </a:spcBef>
+                        <a:spcAft>
+                          <a:spcPts val="0"/>
+                        </a:spcAft>
+                      </a:pPr>
+                      <a:r>
+                        <a:rPr lang="en-US" sz="1100" dirty="0">
+                          <a:effectLst/>
+                        </a:rPr>
+                        <a:t> </a:t>
+                      </a:r>
+                      <a:endParaRPr lang="en-US" sz="1100" dirty="0">
+                        <a:effectLst/>
+                        <a:latin typeface="Arial" panose="020B0604020202020204" pitchFamily="34" charset="0"/>
+                        <a:ea typeface="Calibri" panose="020F0502020204030204" pitchFamily="34" charset="0"/>
+                      </a:endParaRPr>
+                    </a:p>
+                  </a:txBody>
+                  <a:tcPr marL="65699" marR="65699" marT="0" marB="0"/>
+                </a:tc>
+              </a:tr>
+              <a:tr h="302427">
+                <a:tc>
+                  <a:txBody>
+                    <a:bodyPr/>
+                    <a:lstStyle/>
+                    <a:p>
+                      <a:pPr marL="0" marR="0">
+                        <a:spcBef>
+                          <a:spcPts val="0"/>
+                        </a:spcBef>
+                        <a:spcAft>
+                          <a:spcPts val="0"/>
+                        </a:spcAft>
+                      </a:pPr>
+                      <a:r>
+                        <a:rPr lang="en-US" sz="1100">
+                          <a:effectLst/>
+                        </a:rPr>
+                        <a:t>Tue</a:t>
+                      </a:r>
+                    </a:p>
+                    <a:p>
+                      <a:pPr marL="0" marR="0">
+                        <a:spcBef>
+                          <a:spcPts val="0"/>
+                        </a:spcBef>
+                        <a:spcAft>
+                          <a:spcPts val="0"/>
+                        </a:spcAft>
+                      </a:pPr>
+                      <a:r>
+                        <a:rPr lang="en-US" sz="1100">
+                          <a:effectLst/>
+                        </a:rPr>
+                        <a:t>Jan 15</a:t>
+                      </a:r>
+                      <a:endParaRPr lang="en-US" sz="1100">
+                        <a:effectLst/>
+                        <a:latin typeface="Arial" panose="020B0604020202020204" pitchFamily="34" charset="0"/>
+                        <a:ea typeface="Calibri" panose="020F0502020204030204" pitchFamily="34" charset="0"/>
+                      </a:endParaRPr>
+                    </a:p>
+                  </a:txBody>
+                  <a:tcPr marL="65699" marR="65699" marT="0" marB="0"/>
+                </a:tc>
+                <a:tc>
+                  <a:txBody>
+                    <a:bodyPr/>
+                    <a:lstStyle/>
+                    <a:p>
+                      <a:pPr marL="0" marR="0">
+                        <a:spcBef>
+                          <a:spcPts val="0"/>
+                        </a:spcBef>
+                        <a:spcAft>
+                          <a:spcPts val="0"/>
+                        </a:spcAft>
+                      </a:pPr>
+                      <a:r>
+                        <a:rPr lang="en-US" sz="1100" dirty="0">
+                          <a:effectLst/>
+                        </a:rPr>
+                        <a:t> </a:t>
+                      </a:r>
+                      <a:endParaRPr lang="en-US" sz="1100" dirty="0">
+                        <a:effectLst/>
+                        <a:latin typeface="Arial" panose="020B0604020202020204" pitchFamily="34" charset="0"/>
+                        <a:ea typeface="Calibri" panose="020F0502020204030204" pitchFamily="34" charset="0"/>
+                      </a:endParaRPr>
+                    </a:p>
+                  </a:txBody>
+                  <a:tcPr marL="65699" marR="65699" marT="0" marB="0"/>
+                </a:tc>
+              </a:tr>
+              <a:tr h="302427">
+                <a:tc>
+                  <a:txBody>
+                    <a:bodyPr/>
+                    <a:lstStyle/>
+                    <a:p>
+                      <a:pPr marL="0" marR="0">
+                        <a:spcBef>
+                          <a:spcPts val="0"/>
+                        </a:spcBef>
+                        <a:spcAft>
+                          <a:spcPts val="0"/>
+                        </a:spcAft>
+                      </a:pPr>
+                      <a:r>
+                        <a:rPr lang="en-US" sz="1100">
+                          <a:effectLst/>
+                        </a:rPr>
+                        <a:t>Wed</a:t>
+                      </a:r>
+                    </a:p>
+                    <a:p>
+                      <a:pPr marL="0" marR="0">
+                        <a:spcBef>
+                          <a:spcPts val="0"/>
+                        </a:spcBef>
+                        <a:spcAft>
+                          <a:spcPts val="0"/>
+                        </a:spcAft>
+                      </a:pPr>
+                      <a:r>
+                        <a:rPr lang="en-US" sz="1100">
+                          <a:effectLst/>
+                        </a:rPr>
+                        <a:t>Jan 16</a:t>
+                      </a:r>
+                      <a:endParaRPr lang="en-US" sz="1100">
+                        <a:effectLst/>
+                        <a:latin typeface="Arial" panose="020B0604020202020204" pitchFamily="34" charset="0"/>
+                        <a:ea typeface="Calibri" panose="020F0502020204030204" pitchFamily="34" charset="0"/>
+                      </a:endParaRPr>
+                    </a:p>
+                  </a:txBody>
+                  <a:tcPr marL="65699" marR="65699" marT="0" marB="0"/>
+                </a:tc>
+                <a:tc>
+                  <a:txBody>
+                    <a:bodyPr/>
+                    <a:lstStyle/>
+                    <a:p>
+                      <a:pPr marL="0" marR="0">
+                        <a:spcBef>
+                          <a:spcPts val="0"/>
+                        </a:spcBef>
+                        <a:spcAft>
+                          <a:spcPts val="0"/>
+                        </a:spcAft>
+                      </a:pPr>
+                      <a:r>
+                        <a:rPr lang="en-US" sz="1100" dirty="0">
+                          <a:effectLst/>
+                        </a:rPr>
+                        <a:t> </a:t>
+                      </a:r>
+                      <a:endParaRPr lang="en-US" sz="1100" dirty="0">
+                        <a:effectLst/>
+                        <a:latin typeface="Arial" panose="020B0604020202020204" pitchFamily="34" charset="0"/>
+                        <a:ea typeface="Calibri" panose="020F0502020204030204" pitchFamily="34" charset="0"/>
+                      </a:endParaRPr>
+                    </a:p>
+                  </a:txBody>
+                  <a:tcPr marL="65699" marR="65699" marT="0" marB="0"/>
+                </a:tc>
+              </a:tr>
+              <a:tr h="302427">
+                <a:tc>
+                  <a:txBody>
+                    <a:bodyPr/>
+                    <a:lstStyle/>
+                    <a:p>
+                      <a:pPr marL="0" marR="0">
+                        <a:spcBef>
+                          <a:spcPts val="0"/>
+                        </a:spcBef>
+                        <a:spcAft>
+                          <a:spcPts val="0"/>
+                        </a:spcAft>
+                      </a:pPr>
+                      <a:r>
+                        <a:rPr lang="en-US" sz="1100">
+                          <a:effectLst/>
+                        </a:rPr>
+                        <a:t>Thu</a:t>
+                      </a:r>
+                    </a:p>
+                    <a:p>
+                      <a:pPr marL="0" marR="0">
+                        <a:spcBef>
+                          <a:spcPts val="0"/>
+                        </a:spcBef>
+                        <a:spcAft>
+                          <a:spcPts val="0"/>
+                        </a:spcAft>
+                      </a:pPr>
+                      <a:r>
+                        <a:rPr lang="en-US" sz="1100">
+                          <a:effectLst/>
+                        </a:rPr>
+                        <a:t>Jan 17</a:t>
+                      </a:r>
+                      <a:endParaRPr lang="en-US" sz="1100">
+                        <a:effectLst/>
+                        <a:latin typeface="Arial" panose="020B0604020202020204" pitchFamily="34" charset="0"/>
+                        <a:ea typeface="Calibri" panose="020F0502020204030204" pitchFamily="34" charset="0"/>
+                      </a:endParaRPr>
+                    </a:p>
+                  </a:txBody>
+                  <a:tcPr marL="65699" marR="65699" marT="0" marB="0"/>
+                </a:tc>
+                <a:tc>
+                  <a:txBody>
+                    <a:bodyPr/>
+                    <a:lstStyle/>
+                    <a:p>
+                      <a:pPr marL="0" marR="0">
+                        <a:spcBef>
+                          <a:spcPts val="0"/>
+                        </a:spcBef>
+                        <a:spcAft>
+                          <a:spcPts val="0"/>
+                        </a:spcAft>
+                      </a:pPr>
+                      <a:r>
+                        <a:rPr lang="en-US" sz="1100" dirty="0">
+                          <a:effectLst/>
+                        </a:rPr>
+                        <a:t> </a:t>
+                      </a:r>
+                      <a:endParaRPr lang="en-US" sz="1100" dirty="0">
+                        <a:effectLst/>
+                        <a:latin typeface="Arial" panose="020B0604020202020204" pitchFamily="34" charset="0"/>
+                        <a:ea typeface="Calibri" panose="020F0502020204030204" pitchFamily="34" charset="0"/>
+                      </a:endParaRPr>
+                    </a:p>
+                  </a:txBody>
+                  <a:tcPr marL="65699" marR="65699" marT="0" marB="0"/>
+                </a:tc>
+              </a:tr>
+              <a:tr h="302427">
+                <a:tc>
+                  <a:txBody>
+                    <a:bodyPr/>
+                    <a:lstStyle/>
+                    <a:p>
+                      <a:pPr marL="0" marR="0">
+                        <a:spcBef>
+                          <a:spcPts val="0"/>
+                        </a:spcBef>
+                        <a:spcAft>
+                          <a:spcPts val="0"/>
+                        </a:spcAft>
+                      </a:pPr>
+                      <a:r>
+                        <a:rPr lang="en-US" sz="1100">
+                          <a:effectLst/>
+                        </a:rPr>
+                        <a:t>Fri </a:t>
+                      </a:r>
+                    </a:p>
+                    <a:p>
+                      <a:pPr marL="0" marR="0">
+                        <a:spcBef>
+                          <a:spcPts val="0"/>
+                        </a:spcBef>
+                        <a:spcAft>
+                          <a:spcPts val="0"/>
+                        </a:spcAft>
+                      </a:pPr>
+                      <a:r>
+                        <a:rPr lang="en-US" sz="1100">
+                          <a:effectLst/>
+                        </a:rPr>
+                        <a:t>Jan 18</a:t>
+                      </a:r>
+                      <a:endParaRPr lang="en-US" sz="1100">
+                        <a:effectLst/>
+                        <a:latin typeface="Arial" panose="020B0604020202020204" pitchFamily="34" charset="0"/>
+                        <a:ea typeface="Calibri" panose="020F0502020204030204" pitchFamily="34" charset="0"/>
+                      </a:endParaRPr>
+                    </a:p>
+                  </a:txBody>
+                  <a:tcPr marL="65699" marR="65699" marT="0" marB="0"/>
+                </a:tc>
+                <a:tc>
+                  <a:txBody>
+                    <a:bodyPr/>
+                    <a:lstStyle/>
+                    <a:p>
+                      <a:pPr marL="0" marR="0">
+                        <a:spcBef>
+                          <a:spcPts val="0"/>
+                        </a:spcBef>
+                        <a:spcAft>
+                          <a:spcPts val="0"/>
+                        </a:spcAft>
+                      </a:pPr>
+                      <a:r>
+                        <a:rPr lang="en-US" sz="1100" dirty="0">
+                          <a:effectLst/>
+                        </a:rPr>
+                        <a:t>Prep for Summative </a:t>
+                      </a:r>
+                    </a:p>
+                    <a:p>
+                      <a:pPr marL="0" marR="0">
+                        <a:spcBef>
+                          <a:spcPts val="0"/>
+                        </a:spcBef>
+                        <a:spcAft>
+                          <a:spcPts val="0"/>
+                        </a:spcAft>
+                      </a:pPr>
+                      <a:r>
+                        <a:rPr lang="en-US" sz="1100" dirty="0">
+                          <a:effectLst/>
+                        </a:rPr>
+                        <a:t>- Review</a:t>
+                      </a:r>
+                      <a:endParaRPr lang="en-US" sz="1100" dirty="0">
+                        <a:effectLst/>
+                        <a:latin typeface="Arial" panose="020B0604020202020204" pitchFamily="34" charset="0"/>
+                        <a:ea typeface="Calibri" panose="020F0502020204030204" pitchFamily="34" charset="0"/>
+                      </a:endParaRPr>
+                    </a:p>
+                  </a:txBody>
+                  <a:tcPr marL="65699" marR="65699" marT="0" marB="0"/>
+                </a:tc>
+              </a:tr>
+              <a:tr h="77340">
+                <a:tc>
+                  <a:txBody>
+                    <a:bodyPr/>
+                    <a:lstStyle/>
+                    <a:p>
+                      <a:pPr marL="0" marR="0">
+                        <a:spcBef>
+                          <a:spcPts val="0"/>
+                        </a:spcBef>
+                        <a:spcAft>
+                          <a:spcPts val="0"/>
+                        </a:spcAft>
+                      </a:pPr>
+                      <a:r>
+                        <a:rPr lang="en-US" sz="400">
+                          <a:effectLst/>
+                        </a:rPr>
+                        <a:t> </a:t>
+                      </a:r>
+                      <a:endParaRPr lang="en-US" sz="1100">
+                        <a:effectLst/>
+                        <a:latin typeface="Arial" panose="020B0604020202020204" pitchFamily="34" charset="0"/>
+                        <a:ea typeface="Calibri" panose="020F0502020204030204" pitchFamily="34" charset="0"/>
+                      </a:endParaRPr>
+                    </a:p>
+                  </a:txBody>
+                  <a:tcPr marL="65699" marR="65699" marT="0" marB="0"/>
+                </a:tc>
+                <a:tc>
+                  <a:txBody>
+                    <a:bodyPr/>
+                    <a:lstStyle/>
+                    <a:p>
+                      <a:pPr marL="0" marR="0">
+                        <a:spcBef>
+                          <a:spcPts val="0"/>
+                        </a:spcBef>
+                        <a:spcAft>
+                          <a:spcPts val="0"/>
+                        </a:spcAft>
+                      </a:pPr>
+                      <a:r>
+                        <a:rPr lang="en-US" sz="400" dirty="0">
+                          <a:effectLst/>
+                        </a:rPr>
+                        <a:t> </a:t>
+                      </a:r>
+                      <a:endParaRPr lang="en-US" sz="1100" dirty="0">
+                        <a:effectLst/>
+                        <a:latin typeface="Arial" panose="020B0604020202020204" pitchFamily="34" charset="0"/>
+                        <a:ea typeface="Calibri" panose="020F0502020204030204" pitchFamily="34" charset="0"/>
+                      </a:endParaRPr>
+                    </a:p>
+                  </a:txBody>
+                  <a:tcPr marL="65699" marR="65699" marT="0" marB="0"/>
+                </a:tc>
+              </a:tr>
+              <a:tr h="302427">
+                <a:tc>
+                  <a:txBody>
+                    <a:bodyPr/>
+                    <a:lstStyle/>
+                    <a:p>
+                      <a:pPr marL="0" marR="0">
+                        <a:spcBef>
+                          <a:spcPts val="0"/>
+                        </a:spcBef>
+                        <a:spcAft>
+                          <a:spcPts val="0"/>
+                        </a:spcAft>
+                      </a:pPr>
+                      <a:r>
+                        <a:rPr lang="en-US" sz="1100">
+                          <a:effectLst/>
+                        </a:rPr>
+                        <a:t>Mon</a:t>
+                      </a:r>
+                    </a:p>
+                    <a:p>
+                      <a:pPr marL="0" marR="0">
+                        <a:spcBef>
+                          <a:spcPts val="0"/>
+                        </a:spcBef>
+                        <a:spcAft>
+                          <a:spcPts val="0"/>
+                        </a:spcAft>
+                      </a:pPr>
+                      <a:r>
+                        <a:rPr lang="en-US" sz="1100">
+                          <a:effectLst/>
+                        </a:rPr>
+                        <a:t>Jan 21</a:t>
+                      </a:r>
+                      <a:endParaRPr lang="en-US" sz="1100">
+                        <a:effectLst/>
+                        <a:latin typeface="Arial" panose="020B0604020202020204" pitchFamily="34" charset="0"/>
+                        <a:ea typeface="Calibri" panose="020F0502020204030204" pitchFamily="34" charset="0"/>
+                      </a:endParaRPr>
+                    </a:p>
+                  </a:txBody>
+                  <a:tcPr marL="65699" marR="65699" marT="0" marB="0"/>
+                </a:tc>
+                <a:tc>
+                  <a:txBody>
+                    <a:bodyPr/>
+                    <a:lstStyle/>
+                    <a:p>
+                      <a:pPr marL="0" marR="0">
+                        <a:spcBef>
+                          <a:spcPts val="0"/>
+                        </a:spcBef>
+                        <a:spcAft>
+                          <a:spcPts val="0"/>
+                        </a:spcAft>
+                      </a:pPr>
+                      <a:r>
+                        <a:rPr lang="en-US" sz="1100" dirty="0">
+                          <a:effectLst/>
+                        </a:rPr>
+                        <a:t>Summative Part 1 </a:t>
+                      </a:r>
+                    </a:p>
+                    <a:p>
+                      <a:pPr marL="0" marR="0">
+                        <a:spcBef>
+                          <a:spcPts val="0"/>
+                        </a:spcBef>
+                        <a:spcAft>
+                          <a:spcPts val="0"/>
+                        </a:spcAft>
+                      </a:pPr>
+                      <a:r>
+                        <a:rPr lang="en-US" sz="1100" dirty="0">
+                          <a:effectLst/>
+                        </a:rPr>
+                        <a:t>– Computer Concepts</a:t>
+                      </a:r>
+                      <a:endParaRPr lang="en-US" sz="1100" dirty="0">
+                        <a:effectLst/>
+                        <a:latin typeface="Arial" panose="020B0604020202020204" pitchFamily="34" charset="0"/>
+                        <a:ea typeface="Calibri" panose="020F0502020204030204" pitchFamily="34" charset="0"/>
+                      </a:endParaRPr>
+                    </a:p>
+                  </a:txBody>
+                  <a:tcPr marL="65699" marR="65699" marT="0" marB="0"/>
+                </a:tc>
+              </a:tr>
+              <a:tr h="302427">
+                <a:tc>
+                  <a:txBody>
+                    <a:bodyPr/>
+                    <a:lstStyle/>
+                    <a:p>
+                      <a:pPr marL="0" marR="0">
+                        <a:spcBef>
+                          <a:spcPts val="0"/>
+                        </a:spcBef>
+                        <a:spcAft>
+                          <a:spcPts val="0"/>
+                        </a:spcAft>
+                      </a:pPr>
+                      <a:r>
+                        <a:rPr lang="en-US" sz="1100">
+                          <a:effectLst/>
+                        </a:rPr>
+                        <a:t>Tue</a:t>
+                      </a:r>
+                    </a:p>
+                    <a:p>
+                      <a:pPr marL="0" marR="0">
+                        <a:spcBef>
+                          <a:spcPts val="0"/>
+                        </a:spcBef>
+                        <a:spcAft>
+                          <a:spcPts val="0"/>
+                        </a:spcAft>
+                      </a:pPr>
+                      <a:r>
+                        <a:rPr lang="en-US" sz="1100">
+                          <a:effectLst/>
+                        </a:rPr>
+                        <a:t>Jan 22</a:t>
+                      </a:r>
+                      <a:endParaRPr lang="en-US" sz="1100">
+                        <a:effectLst/>
+                        <a:latin typeface="Arial" panose="020B0604020202020204" pitchFamily="34" charset="0"/>
+                        <a:ea typeface="Calibri" panose="020F0502020204030204" pitchFamily="34" charset="0"/>
+                      </a:endParaRPr>
+                    </a:p>
+                  </a:txBody>
+                  <a:tcPr marL="65699" marR="65699" marT="0" marB="0"/>
+                </a:tc>
+                <a:tc>
+                  <a:txBody>
+                    <a:bodyPr/>
+                    <a:lstStyle/>
+                    <a:p>
+                      <a:pPr marL="0" marR="0">
+                        <a:spcBef>
+                          <a:spcPts val="0"/>
+                        </a:spcBef>
+                        <a:spcAft>
+                          <a:spcPts val="0"/>
+                        </a:spcAft>
+                      </a:pPr>
+                      <a:r>
+                        <a:rPr lang="en-US" sz="1100" dirty="0">
+                          <a:effectLst/>
+                        </a:rPr>
+                        <a:t>Summative Part 2 </a:t>
+                      </a:r>
+                    </a:p>
+                    <a:p>
+                      <a:pPr marL="0" marR="0">
+                        <a:spcBef>
+                          <a:spcPts val="0"/>
+                        </a:spcBef>
+                        <a:spcAft>
+                          <a:spcPts val="0"/>
+                        </a:spcAft>
+                      </a:pPr>
+                      <a:r>
+                        <a:rPr lang="en-US" sz="1100" dirty="0">
+                          <a:effectLst/>
+                        </a:rPr>
+                        <a:t>– Programming</a:t>
+                      </a:r>
+                      <a:endParaRPr lang="en-US" sz="1100" dirty="0">
+                        <a:effectLst/>
+                        <a:latin typeface="Arial" panose="020B0604020202020204" pitchFamily="34" charset="0"/>
+                        <a:ea typeface="Calibri" panose="020F0502020204030204" pitchFamily="34" charset="0"/>
+                      </a:endParaRPr>
+                    </a:p>
+                  </a:txBody>
+                  <a:tcPr marL="65699" marR="65699" marT="0" marB="0"/>
+                </a:tc>
+              </a:tr>
+              <a:tr h="302427">
+                <a:tc>
+                  <a:txBody>
+                    <a:bodyPr/>
+                    <a:lstStyle/>
+                    <a:p>
+                      <a:pPr marL="0" marR="0">
+                        <a:spcBef>
+                          <a:spcPts val="0"/>
+                        </a:spcBef>
+                        <a:spcAft>
+                          <a:spcPts val="0"/>
+                        </a:spcAft>
+                      </a:pPr>
+                      <a:r>
+                        <a:rPr lang="en-US" sz="1100">
+                          <a:effectLst/>
+                        </a:rPr>
+                        <a:t>Wed</a:t>
+                      </a:r>
+                    </a:p>
+                    <a:p>
+                      <a:pPr marL="0" marR="0">
+                        <a:spcBef>
+                          <a:spcPts val="0"/>
+                        </a:spcBef>
+                        <a:spcAft>
+                          <a:spcPts val="0"/>
+                        </a:spcAft>
+                      </a:pPr>
+                      <a:r>
+                        <a:rPr lang="en-US" sz="1100">
+                          <a:effectLst/>
+                        </a:rPr>
+                        <a:t>Jan 23</a:t>
+                      </a:r>
+                      <a:endParaRPr lang="en-US" sz="1100">
+                        <a:effectLst/>
+                        <a:latin typeface="Arial" panose="020B0604020202020204" pitchFamily="34" charset="0"/>
+                        <a:ea typeface="Calibri" panose="020F0502020204030204" pitchFamily="34" charset="0"/>
+                      </a:endParaRPr>
+                    </a:p>
+                  </a:txBody>
+                  <a:tcPr marL="65699" marR="65699" marT="0" marB="0"/>
+                </a:tc>
+                <a:tc>
+                  <a:txBody>
+                    <a:bodyPr/>
+                    <a:lstStyle/>
+                    <a:p>
+                      <a:pPr marL="0" marR="0">
+                        <a:spcBef>
+                          <a:spcPts val="0"/>
+                        </a:spcBef>
+                        <a:spcAft>
+                          <a:spcPts val="0"/>
+                        </a:spcAft>
+                      </a:pPr>
+                      <a:r>
+                        <a:rPr lang="en-US" sz="1100" dirty="0">
+                          <a:effectLst/>
+                        </a:rPr>
+                        <a:t>Summative Part 2 </a:t>
+                      </a:r>
+                    </a:p>
+                    <a:p>
+                      <a:pPr marL="0" marR="0">
+                        <a:spcBef>
+                          <a:spcPts val="0"/>
+                        </a:spcBef>
+                        <a:spcAft>
+                          <a:spcPts val="0"/>
+                        </a:spcAft>
+                      </a:pPr>
+                      <a:r>
+                        <a:rPr lang="en-US" sz="1100" dirty="0">
+                          <a:effectLst/>
+                        </a:rPr>
+                        <a:t>– Computers &amp; Society</a:t>
+                      </a:r>
+                      <a:endParaRPr lang="en-US" sz="1100" dirty="0">
+                        <a:effectLst/>
+                        <a:latin typeface="Arial" panose="020B0604020202020204" pitchFamily="34" charset="0"/>
+                        <a:ea typeface="Calibri" panose="020F0502020204030204" pitchFamily="34" charset="0"/>
+                      </a:endParaRPr>
+                    </a:p>
+                  </a:txBody>
+                  <a:tcPr marL="65699" marR="65699" marT="0" marB="0"/>
+                </a:tc>
+              </a:tr>
+              <a:tr h="54987">
+                <a:tc>
+                  <a:txBody>
+                    <a:bodyPr/>
+                    <a:lstStyle/>
+                    <a:p>
+                      <a:pPr marL="0" marR="0">
+                        <a:spcBef>
+                          <a:spcPts val="0"/>
+                        </a:spcBef>
+                        <a:spcAft>
+                          <a:spcPts val="0"/>
+                        </a:spcAft>
+                      </a:pPr>
+                      <a:r>
+                        <a:rPr lang="en-US" sz="400">
+                          <a:effectLst/>
+                        </a:rPr>
+                        <a:t> </a:t>
+                      </a:r>
+                      <a:endParaRPr lang="en-US" sz="1100">
+                        <a:effectLst/>
+                        <a:latin typeface="Arial" panose="020B0604020202020204" pitchFamily="34" charset="0"/>
+                        <a:ea typeface="Calibri" panose="020F0502020204030204" pitchFamily="34" charset="0"/>
+                      </a:endParaRPr>
+                    </a:p>
+                  </a:txBody>
+                  <a:tcPr marL="65699" marR="65699" marT="0" marB="0"/>
+                </a:tc>
+                <a:tc>
+                  <a:txBody>
+                    <a:bodyPr/>
+                    <a:lstStyle/>
+                    <a:p>
+                      <a:pPr marL="0" marR="0">
+                        <a:spcBef>
+                          <a:spcPts val="0"/>
+                        </a:spcBef>
+                        <a:spcAft>
+                          <a:spcPts val="0"/>
+                        </a:spcAft>
+                      </a:pPr>
+                      <a:r>
+                        <a:rPr lang="en-US" sz="400" dirty="0">
+                          <a:effectLst/>
+                        </a:rPr>
+                        <a:t> </a:t>
+                      </a:r>
+                      <a:endParaRPr lang="en-US" sz="1100" dirty="0">
+                        <a:effectLst/>
+                        <a:latin typeface="Arial" panose="020B0604020202020204" pitchFamily="34" charset="0"/>
+                        <a:ea typeface="Calibri" panose="020F0502020204030204" pitchFamily="34" charset="0"/>
+                      </a:endParaRPr>
+                    </a:p>
+                  </a:txBody>
+                  <a:tcPr marL="65699" marR="65699" marT="0" marB="0"/>
+                </a:tc>
+              </a:tr>
+            </a:tbl>
+          </a:graphicData>
+        </a:graphic>
+      </p:graphicFrame>
+      <p:sp>
+        <p:nvSpPr>
+          <p:cNvPr id="5" name="Title 4"/>
+          <p:cNvSpPr>
+            <a:spLocks noGrp="1"/>
+          </p:cNvSpPr>
+          <p:nvPr>
+            <p:ph type="title"/>
+          </p:nvPr>
+        </p:nvSpPr>
+        <p:spPr/>
+        <p:txBody>
+          <a:bodyPr/>
+          <a:lstStyle/>
+          <a:p>
+            <a:r>
+              <a:rPr lang="en-CA" dirty="0" smtClean="0"/>
+              <a:t>January Calendar</a:t>
+            </a:r>
+            <a:endParaRPr lang="en-US" dirty="0"/>
+          </a:p>
+        </p:txBody>
+      </p:sp>
+    </p:spTree>
+    <p:extLst>
+      <p:ext uri="{BB962C8B-B14F-4D97-AF65-F5344CB8AC3E}">
+        <p14:creationId xmlns:p14="http://schemas.microsoft.com/office/powerpoint/2010/main" val="2399075011"/>
+      </p:ext>
+    </p:extLst>
+  </p:cSld>
+  <p:clrMapOvr>
+    <a:masterClrMapping/>
+  </p:clrMapOvr>
+  <p:timing>
+    <p:tnLst>
+      <p:par>
+        <p:cTn id="1" dur="indefinite" restart="never" nodeType="tmRoot"/>
+      </p:par>
+    </p:tnLst>
+  </p:timing>
+</p:sld>
+</file>
+
+<file path=ppt/slides/slide3.xml><?xml version="1.0" encoding="utf-8"?>
+<p:sld xmlns:a="http://schemas.openxmlformats.org/drawingml/2006/main" xmlns:r="http://schemas.openxmlformats.org/officeDocument/2006/relationships" xmlns:p="http://schemas.openxmlformats.org/presentationml/2006/main">
+  <p:cSld>
+    <p:spTree>
+      <p:nvGrpSpPr>
+        <p:cNvPr id="1" name=""/>
+        <p:cNvGrpSpPr/>
+        <p:nvPr/>
+      </p:nvGrpSpPr>
+      <p:grpSpPr>
+        <a:xfrm>
+          <a:off x="0" y="0"/>
+          <a:ext cx="0" cy="0"/>
+          <a:chOff x="0" y="0"/>
+          <a:chExt cx="0" cy="0"/>
+        </a:xfrm>
+      </p:grpSpPr>
       <p:sp>
         <p:nvSpPr>
           <p:cNvPr id="2" name="Title 1"/>
@@ -3387,10 +4780,17 @@
   <p:clrMapOvr>
     <a:masterClrMapping/>
   </p:clrMapOvr>
+  <p:timing>
+    <p:tnLst>
+      <p:par>
+        <p:cTn id="1" dur="indefinite" restart="never" nodeType="tmRoot"/>
+      </p:par>
+    </p:tnLst>
+  </p:timing>
 </p:sld>
 </file>
 
-<file path=ppt/slides/slide3.xml><?xml version="1.0" encoding="utf-8"?>
+<file path=ppt/slides/slide4.xml><?xml version="1.0" encoding="utf-8"?>
 <p:sld xmlns:a="http://schemas.openxmlformats.org/drawingml/2006/main" xmlns:r="http://schemas.openxmlformats.org/officeDocument/2006/relationships" xmlns:p="http://schemas.openxmlformats.org/presentationml/2006/main">
   <p:cSld>
     <p:spTree>
